--- a/SQL/sql_join_views.pptx
+++ b/SQL/sql_join_views.pptx
@@ -106,6 +106,11 @@
       </a:defRPr>
     </a:lvl9pPr>
   </p:defaultTextStyle>
+  <p:extLst>
+    <p:ext uri="{EFAFB233-063F-42B5-8137-9DF3F51BA10A}">
+      <p15:sldGuideLst xmlns:p15="http://schemas.microsoft.com/office/powerpoint/2012/main"/>
+    </p:ext>
+  </p:extLst>
 </p:presentation>
 </file>
 
@@ -3865,8 +3870,8 @@
         <a:lstStyle/>
         <a:p>
           <a:r>
-            <a:rPr lang="en-US" sz="100" dirty="0"/>
-            <a:t>.</a:t>
+            <a:rPr lang="en-US" sz="6000" dirty="0"/>
+            <a:t>A</a:t>
           </a:r>
         </a:p>
       </dgm:t>
@@ -3908,10 +3913,9 @@
         <a:lstStyle/>
         <a:p>
           <a:r>
-            <a:rPr lang="en-US" sz="100" dirty="0"/>
-            <a:t>.</a:t>
+            <a:rPr lang="en-US" sz="6500" dirty="0"/>
+            <a:t>B</a:t>
           </a:r>
-          <a:endParaRPr lang="en-US" sz="6500" dirty="0"/>
         </a:p>
       </dgm:t>
     </dgm:pt>
@@ -4021,8 +4025,8 @@
         <a:lstStyle/>
         <a:p>
           <a:r>
-            <a:rPr lang="en-US" sz="100" dirty="0"/>
-            <a:t>.</a:t>
+            <a:rPr lang="en-US" sz="6600" dirty="0"/>
+            <a:t>A</a:t>
           </a:r>
         </a:p>
       </dgm:t>
@@ -4064,10 +4068,9 @@
         <a:lstStyle/>
         <a:p>
           <a:r>
-            <a:rPr lang="en-US" sz="100" dirty="0"/>
-            <a:t>.</a:t>
+            <a:rPr lang="en-US" sz="6500" dirty="0"/>
+            <a:t>B</a:t>
           </a:r>
-          <a:endParaRPr lang="en-US" sz="6500" dirty="0"/>
         </a:p>
       </dgm:t>
     </dgm:pt>
@@ -4172,8 +4175,8 @@
         <a:lstStyle/>
         <a:p>
           <a:r>
-            <a:rPr lang="en-US" sz="100" dirty="0"/>
-            <a:t>.</a:t>
+            <a:rPr lang="en-US" sz="6600" dirty="0"/>
+            <a:t>A</a:t>
           </a:r>
         </a:p>
       </dgm:t>
@@ -4208,8 +4211,8 @@
         <a:lstStyle/>
         <a:p>
           <a:r>
-            <a:rPr lang="en-US" sz="100" dirty="0"/>
-            <a:t>.</a:t>
+            <a:rPr lang="en-US" sz="6600" dirty="0"/>
+            <a:t>B</a:t>
           </a:r>
         </a:p>
       </dgm:t>
@@ -4324,8 +4327,8 @@
         <a:lstStyle/>
         <a:p>
           <a:r>
-            <a:rPr lang="en-US" sz="100" dirty="0"/>
-            <a:t>.</a:t>
+            <a:rPr lang="en-US" sz="6600" dirty="0"/>
+            <a:t>A</a:t>
           </a:r>
         </a:p>
       </dgm:t>
@@ -4367,10 +4370,9 @@
         <a:lstStyle/>
         <a:p>
           <a:r>
-            <a:rPr lang="en-US" sz="100" dirty="0"/>
-            <a:t>.</a:t>
+            <a:rPr lang="en-US" sz="6600" dirty="0"/>
+            <a:t>B</a:t>
           </a:r>
-          <a:endParaRPr lang="en-US" sz="6500" dirty="0"/>
         </a:p>
       </dgm:t>
     </dgm:pt>
@@ -4479,8 +4481,8 @@
         <a:lstStyle/>
         <a:p>
           <a:r>
-            <a:rPr lang="en-US" sz="100" dirty="0"/>
-            <a:t>.</a:t>
+            <a:rPr lang="en-US" sz="6600" dirty="0"/>
+            <a:t>A</a:t>
           </a:r>
         </a:p>
       </dgm:t>
@@ -4521,8 +4523,8 @@
         <a:lstStyle/>
         <a:p>
           <a:r>
-            <a:rPr lang="en-US" sz="100" dirty="0"/>
-            <a:t>.</a:t>
+            <a:rPr lang="en-US" sz="6600" dirty="0"/>
+            <a:t>B</a:t>
           </a:r>
         </a:p>
       </dgm:t>
@@ -4670,7 +4672,7 @@
         </a:bodyPr>
         <a:lstStyle/>
         <a:p>
-          <a:pPr marL="0" lvl="0" indent="0" algn="ctr" defTabSz="44450">
+          <a:pPr marL="0" lvl="0" indent="0" algn="ctr" defTabSz="2667000">
             <a:lnSpc>
               <a:spcPct val="90000"/>
             </a:lnSpc>
@@ -4683,8 +4685,8 @@
             <a:buNone/>
           </a:pPr>
           <a:r>
-            <a:rPr lang="en-US" sz="100" kern="1200" dirty="0"/>
-            <a:t>.</a:t>
+            <a:rPr lang="en-US" sz="6000" kern="1200" dirty="0"/>
+            <a:t>A</a:t>
           </a:r>
         </a:p>
       </dsp:txBody>
@@ -4736,7 +4738,7 @@
         </a:bodyPr>
         <a:lstStyle/>
         <a:p>
-          <a:pPr marL="0" lvl="0" indent="0" algn="ctr" defTabSz="44450">
+          <a:pPr marL="0" lvl="0" indent="0" algn="ctr" defTabSz="2889250">
             <a:lnSpc>
               <a:spcPct val="90000"/>
             </a:lnSpc>
@@ -4749,10 +4751,9 @@
             <a:buNone/>
           </a:pPr>
           <a:r>
-            <a:rPr lang="en-US" sz="100" kern="1200" dirty="0"/>
-            <a:t>.</a:t>
+            <a:rPr lang="en-US" sz="6500" kern="1200" dirty="0"/>
+            <a:t>B</a:t>
           </a:r>
-          <a:endParaRPr lang="en-US" sz="6500" kern="1200" dirty="0"/>
         </a:p>
       </dsp:txBody>
       <dsp:txXfrm>
@@ -4815,7 +4816,7 @@
         </a:bodyPr>
         <a:lstStyle/>
         <a:p>
-          <a:pPr marL="0" lvl="0" indent="0" algn="ctr" defTabSz="44450">
+          <a:pPr marL="0" lvl="0" indent="0" algn="ctr" defTabSz="2933700">
             <a:lnSpc>
               <a:spcPct val="90000"/>
             </a:lnSpc>
@@ -4828,8 +4829,8 @@
             <a:buNone/>
           </a:pPr>
           <a:r>
-            <a:rPr lang="en-US" sz="100" kern="1200" dirty="0"/>
-            <a:t>.</a:t>
+            <a:rPr lang="en-US" sz="6600" kern="1200" dirty="0"/>
+            <a:t>A</a:t>
           </a:r>
         </a:p>
       </dsp:txBody>
@@ -4881,7 +4882,7 @@
         </a:bodyPr>
         <a:lstStyle/>
         <a:p>
-          <a:pPr marL="0" lvl="0" indent="0" algn="ctr" defTabSz="44450">
+          <a:pPr marL="0" lvl="0" indent="0" algn="ctr" defTabSz="2889250">
             <a:lnSpc>
               <a:spcPct val="90000"/>
             </a:lnSpc>
@@ -4894,10 +4895,9 @@
             <a:buNone/>
           </a:pPr>
           <a:r>
-            <a:rPr lang="en-US" sz="100" kern="1200" dirty="0"/>
-            <a:t>.</a:t>
+            <a:rPr lang="en-US" sz="6500" kern="1200" dirty="0"/>
+            <a:t>B</a:t>
           </a:r>
-          <a:endParaRPr lang="en-US" sz="6500" kern="1200" dirty="0"/>
         </a:p>
       </dsp:txBody>
       <dsp:txXfrm>
@@ -4973,7 +4973,7 @@
         </a:bodyPr>
         <a:lstStyle/>
         <a:p>
-          <a:pPr marL="0" lvl="0" indent="0" algn="ctr" defTabSz="44450">
+          <a:pPr marL="0" lvl="0" indent="0" algn="ctr" defTabSz="2933700">
             <a:lnSpc>
               <a:spcPct val="90000"/>
             </a:lnSpc>
@@ -4986,8 +4986,8 @@
             <a:buNone/>
           </a:pPr>
           <a:r>
-            <a:rPr lang="en-US" sz="100" kern="1200" dirty="0"/>
-            <a:t>.</a:t>
+            <a:rPr lang="en-US" sz="6600" kern="1200" dirty="0"/>
+            <a:t>A</a:t>
           </a:r>
         </a:p>
       </dsp:txBody>
@@ -5052,7 +5052,7 @@
         </a:bodyPr>
         <a:lstStyle/>
         <a:p>
-          <a:pPr marL="0" lvl="0" indent="0" algn="ctr" defTabSz="44450">
+          <a:pPr marL="0" lvl="0" indent="0" algn="ctr" defTabSz="2933700">
             <a:lnSpc>
               <a:spcPct val="90000"/>
             </a:lnSpc>
@@ -5065,8 +5065,8 @@
             <a:buNone/>
           </a:pPr>
           <a:r>
-            <a:rPr lang="en-US" sz="100" kern="1200" dirty="0"/>
-            <a:t>.</a:t>
+            <a:rPr lang="en-US" sz="6600" kern="1200" dirty="0"/>
+            <a:t>B</a:t>
           </a:r>
         </a:p>
       </dsp:txBody>
@@ -5134,7 +5134,7 @@
         </a:bodyPr>
         <a:lstStyle/>
         <a:p>
-          <a:pPr marL="0" lvl="0" indent="0" algn="ctr" defTabSz="44450">
+          <a:pPr marL="0" lvl="0" indent="0" algn="ctr" defTabSz="2933700">
             <a:lnSpc>
               <a:spcPct val="90000"/>
             </a:lnSpc>
@@ -5147,8 +5147,8 @@
             <a:buNone/>
           </a:pPr>
           <a:r>
-            <a:rPr lang="en-US" sz="100" kern="1200" dirty="0"/>
-            <a:t>.</a:t>
+            <a:rPr lang="en-US" sz="6600" kern="1200" dirty="0"/>
+            <a:t>A</a:t>
           </a:r>
         </a:p>
       </dsp:txBody>
@@ -5200,7 +5200,7 @@
         </a:bodyPr>
         <a:lstStyle/>
         <a:p>
-          <a:pPr marL="0" lvl="0" indent="0" algn="ctr" defTabSz="44450">
+          <a:pPr marL="0" lvl="0" indent="0" algn="ctr" defTabSz="2933700">
             <a:lnSpc>
               <a:spcPct val="90000"/>
             </a:lnSpc>
@@ -5213,10 +5213,9 @@
             <a:buNone/>
           </a:pPr>
           <a:r>
-            <a:rPr lang="en-US" sz="100" kern="1200" dirty="0"/>
-            <a:t>.</a:t>
+            <a:rPr lang="en-US" sz="6600" kern="1200" dirty="0"/>
+            <a:t>B</a:t>
           </a:r>
-          <a:endParaRPr lang="en-US" sz="6500" kern="1200" dirty="0"/>
         </a:p>
       </dsp:txBody>
       <dsp:txXfrm>
@@ -5287,7 +5286,7 @@
         </a:bodyPr>
         <a:lstStyle/>
         <a:p>
-          <a:pPr marL="0" lvl="0" indent="0" algn="ctr" defTabSz="44450">
+          <a:pPr marL="0" lvl="0" indent="0" algn="ctr" defTabSz="2933700">
             <a:lnSpc>
               <a:spcPct val="90000"/>
             </a:lnSpc>
@@ -5300,8 +5299,8 @@
             <a:buNone/>
           </a:pPr>
           <a:r>
-            <a:rPr lang="en-US" sz="100" kern="1200" dirty="0"/>
-            <a:t>.</a:t>
+            <a:rPr lang="en-US" sz="6600" kern="1200" dirty="0"/>
+            <a:t>A</a:t>
           </a:r>
         </a:p>
       </dsp:txBody>
@@ -5361,7 +5360,7 @@
         </a:bodyPr>
         <a:lstStyle/>
         <a:p>
-          <a:pPr marL="0" lvl="0" indent="0" algn="ctr" defTabSz="44450">
+          <a:pPr marL="0" lvl="0" indent="0" algn="ctr" defTabSz="2933700">
             <a:lnSpc>
               <a:spcPct val="90000"/>
             </a:lnSpc>
@@ -5374,8 +5373,8 @@
             <a:buNone/>
           </a:pPr>
           <a:r>
-            <a:rPr lang="en-US" sz="100" kern="1200" dirty="0"/>
-            <a:t>.</a:t>
+            <a:rPr lang="en-US" sz="6600" kern="1200" dirty="0"/>
+            <a:t>B</a:t>
           </a:r>
         </a:p>
       </dsp:txBody>
@@ -19797,7 +19796,7 @@
           <p:nvPr>
             <p:extLst>
               <p:ext uri="{D42A27DB-BD31-4B8C-83A1-F6EECF244321}">
-                <p14:modId xmlns:p14="http://schemas.microsoft.com/office/powerpoint/2010/main" val="2523535913"/>
+                <p14:modId xmlns:p14="http://schemas.microsoft.com/office/powerpoint/2010/main" val="4160334764"/>
               </p:ext>
             </p:extLst>
           </p:nvPr>
@@ -19826,7 +19825,7 @@
         </p:nvSpPr>
         <p:spPr>
           <a:xfrm>
-            <a:off x="5859780" y="2854960"/>
+            <a:off x="5745479" y="2781482"/>
             <a:ext cx="662940" cy="1653540"/>
           </a:xfrm>
           <a:custGeom>
@@ -20096,13 +20095,13 @@
           <p:nvPr>
             <p:extLst>
               <p:ext uri="{D42A27DB-BD31-4B8C-83A1-F6EECF244321}">
-                <p14:modId xmlns:p14="http://schemas.microsoft.com/office/powerpoint/2010/main" val="1297030482"/>
+                <p14:modId xmlns:p14="http://schemas.microsoft.com/office/powerpoint/2010/main" val="2790210741"/>
               </p:ext>
             </p:extLst>
           </p:nvPr>
         </p:nvGraphicFramePr>
         <p:xfrm>
-          <a:off x="3659868" y="2477249"/>
+          <a:off x="3545567" y="2403771"/>
           <a:ext cx="5062764" cy="2407254"/>
         </p:xfrm>
         <a:graphic>
@@ -20124,7 +20123,7 @@
           <p:nvPr>
             <p:extLst>
               <p:ext uri="{D42A27DB-BD31-4B8C-83A1-F6EECF244321}">
-                <p14:modId xmlns:p14="http://schemas.microsoft.com/office/powerpoint/2010/main" val="3829313814"/>
+                <p14:modId xmlns:p14="http://schemas.microsoft.com/office/powerpoint/2010/main" val="4079898749"/>
               </p:ext>
             </p:extLst>
           </p:nvPr>
@@ -20152,13 +20151,13 @@
           <p:nvPr>
             <p:extLst>
               <p:ext uri="{D42A27DB-BD31-4B8C-83A1-F6EECF244321}">
-                <p14:modId xmlns:p14="http://schemas.microsoft.com/office/powerpoint/2010/main" val="3343027186"/>
+                <p14:modId xmlns:p14="http://schemas.microsoft.com/office/powerpoint/2010/main" val="4081948283"/>
               </p:ext>
             </p:extLst>
           </p:nvPr>
         </p:nvGraphicFramePr>
         <p:xfrm>
-          <a:off x="212874" y="4078061"/>
+          <a:off x="212874" y="3890282"/>
           <a:ext cx="4096512" cy="2551176"/>
         </p:xfrm>
         <a:graphic>
@@ -20180,13 +20179,13 @@
           <p:nvPr>
             <p:extLst>
               <p:ext uri="{D42A27DB-BD31-4B8C-83A1-F6EECF244321}">
-                <p14:modId xmlns:p14="http://schemas.microsoft.com/office/powerpoint/2010/main" val="2674575639"/>
+                <p14:modId xmlns:p14="http://schemas.microsoft.com/office/powerpoint/2010/main" val="2708147446"/>
               </p:ext>
             </p:extLst>
           </p:nvPr>
         </p:nvGraphicFramePr>
         <p:xfrm>
-          <a:off x="7858579" y="4078061"/>
+          <a:off x="7858579" y="3922940"/>
           <a:ext cx="4099378" cy="2553471"/>
         </p:xfrm>
         <a:graphic>
@@ -20209,7 +20208,7 @@
         </p:nvSpPr>
         <p:spPr>
           <a:xfrm>
-            <a:off x="9601200" y="4577080"/>
+            <a:off x="9601200" y="4421959"/>
             <a:ext cx="617220" cy="1549400"/>
           </a:xfrm>
           <a:custGeom>
@@ -20450,7 +20449,7 @@
         </p:nvSpPr>
         <p:spPr>
           <a:xfrm>
-            <a:off x="1952520" y="4577080"/>
+            <a:off x="1952520" y="4389301"/>
             <a:ext cx="617220" cy="1549400"/>
           </a:xfrm>
           <a:custGeom>
@@ -20674,6 +20673,181 @@
           <a:p>
             <a:pPr algn="ctr"/>
             <a:endParaRPr lang="en-US"/>
+          </a:p>
+        </p:txBody>
+      </p:sp>
+      <p:sp>
+        <p:nvSpPr>
+          <p:cNvPr id="3" name="TextBox 2">
+            <a:extLst>
+              <a:ext uri="{FF2B5EF4-FFF2-40B4-BE49-F238E27FC236}">
+                <a16:creationId xmlns:a16="http://schemas.microsoft.com/office/drawing/2014/main" id="{F211E18D-6B0F-4334-9B5D-61DDD9E2AF27}"/>
+              </a:ext>
+            </a:extLst>
+          </p:cNvPr>
+          <p:cNvSpPr txBox="1"/>
+          <p:nvPr/>
+        </p:nvSpPr>
+        <p:spPr>
+          <a:xfrm>
+            <a:off x="1711941" y="2723657"/>
+            <a:ext cx="1098378" cy="369332"/>
+          </a:xfrm>
+          <a:prstGeom prst="rect">
+            <a:avLst/>
+          </a:prstGeom>
+          <a:noFill/>
+        </p:spPr>
+        <p:txBody>
+          <a:bodyPr wrap="none" rtlCol="0">
+            <a:spAutoFit/>
+          </a:bodyPr>
+          <a:lstStyle/>
+          <a:p>
+            <a:r>
+              <a:rPr lang="en-US" dirty="0"/>
+              <a:t>LEFT JOIN</a:t>
+            </a:r>
+          </a:p>
+        </p:txBody>
+      </p:sp>
+      <p:sp>
+        <p:nvSpPr>
+          <p:cNvPr id="12" name="TextBox 11">
+            <a:extLst>
+              <a:ext uri="{FF2B5EF4-FFF2-40B4-BE49-F238E27FC236}">
+                <a16:creationId xmlns:a16="http://schemas.microsoft.com/office/drawing/2014/main" id="{0A5992A6-A134-4B21-A8DB-3E6E25B83434}"/>
+              </a:ext>
+            </a:extLst>
+          </p:cNvPr>
+          <p:cNvSpPr txBox="1"/>
+          <p:nvPr/>
+        </p:nvSpPr>
+        <p:spPr>
+          <a:xfrm>
+            <a:off x="5552926" y="4794669"/>
+            <a:ext cx="1263487" cy="369332"/>
+          </a:xfrm>
+          <a:prstGeom prst="rect">
+            <a:avLst/>
+          </a:prstGeom>
+          <a:noFill/>
+        </p:spPr>
+        <p:txBody>
+          <a:bodyPr wrap="none" rtlCol="0">
+            <a:spAutoFit/>
+          </a:bodyPr>
+          <a:lstStyle/>
+          <a:p>
+            <a:r>
+              <a:rPr lang="en-US" dirty="0"/>
+              <a:t>INNER JOIN</a:t>
+            </a:r>
+          </a:p>
+        </p:txBody>
+      </p:sp>
+      <p:sp>
+        <p:nvSpPr>
+          <p:cNvPr id="13" name="TextBox 12">
+            <a:extLst>
+              <a:ext uri="{FF2B5EF4-FFF2-40B4-BE49-F238E27FC236}">
+                <a16:creationId xmlns:a16="http://schemas.microsoft.com/office/drawing/2014/main" id="{BF8E7D08-90B8-4EFA-B54C-E3EC323CA10B}"/>
+              </a:ext>
+            </a:extLst>
+          </p:cNvPr>
+          <p:cNvSpPr txBox="1"/>
+          <p:nvPr/>
+        </p:nvSpPr>
+        <p:spPr>
+          <a:xfrm>
+            <a:off x="9361712" y="2823607"/>
+            <a:ext cx="1119217" cy="369332"/>
+          </a:xfrm>
+          <a:prstGeom prst="rect">
+            <a:avLst/>
+          </a:prstGeom>
+          <a:noFill/>
+        </p:spPr>
+        <p:txBody>
+          <a:bodyPr wrap="none" rtlCol="0">
+            <a:spAutoFit/>
+          </a:bodyPr>
+          <a:lstStyle/>
+          <a:p>
+            <a:r>
+              <a:rPr lang="en-US" dirty="0"/>
+              <a:t>FULL JOIN</a:t>
+            </a:r>
+          </a:p>
+        </p:txBody>
+      </p:sp>
+      <p:sp>
+        <p:nvSpPr>
+          <p:cNvPr id="15" name="TextBox 14">
+            <a:extLst>
+              <a:ext uri="{FF2B5EF4-FFF2-40B4-BE49-F238E27FC236}">
+                <a16:creationId xmlns:a16="http://schemas.microsoft.com/office/drawing/2014/main" id="{A9143029-B6B5-4338-8B09-070544CF9DAB}"/>
+              </a:ext>
+            </a:extLst>
+          </p:cNvPr>
+          <p:cNvSpPr txBox="1"/>
+          <p:nvPr/>
+        </p:nvSpPr>
+        <p:spPr>
+          <a:xfrm>
+            <a:off x="1360883" y="6348823"/>
+            <a:ext cx="1800493" cy="369332"/>
+          </a:xfrm>
+          <a:prstGeom prst="rect">
+            <a:avLst/>
+          </a:prstGeom>
+          <a:noFill/>
+        </p:spPr>
+        <p:txBody>
+          <a:bodyPr wrap="none" rtlCol="0">
+            <a:spAutoFit/>
+          </a:bodyPr>
+          <a:lstStyle/>
+          <a:p>
+            <a:r>
+              <a:rPr lang="en-US" dirty="0"/>
+              <a:t>LEFT OUTER JOIN</a:t>
+            </a:r>
+          </a:p>
+        </p:txBody>
+      </p:sp>
+      <p:sp>
+        <p:nvSpPr>
+          <p:cNvPr id="19" name="TextBox 18">
+            <a:extLst>
+              <a:ext uri="{FF2B5EF4-FFF2-40B4-BE49-F238E27FC236}">
+                <a16:creationId xmlns:a16="http://schemas.microsoft.com/office/drawing/2014/main" id="{38313024-266F-4D62-8973-445A9652C1F3}"/>
+              </a:ext>
+            </a:extLst>
+          </p:cNvPr>
+          <p:cNvSpPr txBox="1"/>
+          <p:nvPr/>
+        </p:nvSpPr>
+        <p:spPr>
+          <a:xfrm>
+            <a:off x="9248472" y="6303466"/>
+            <a:ext cx="1319592" cy="369332"/>
+          </a:xfrm>
+          <a:prstGeom prst="rect">
+            <a:avLst/>
+          </a:prstGeom>
+          <a:noFill/>
+        </p:spPr>
+        <p:txBody>
+          <a:bodyPr wrap="none" rtlCol="0">
+            <a:spAutoFit/>
+          </a:bodyPr>
+          <a:lstStyle/>
+          <a:p>
+            <a:r>
+              <a:rPr lang="en-US" dirty="0"/>
+              <a:t>OUTER JOIN</a:t>
+            </a:r>
           </a:p>
         </p:txBody>
       </p:sp>

--- a/SQL/sql_join_views.pptx
+++ b/SQL/sql_join_views.pptx
@@ -7,7 +7,10 @@
   <p:sldIdLst>
     <p:sldId id="256" r:id="rId2"/>
     <p:sldId id="257" r:id="rId3"/>
-    <p:sldId id="258" r:id="rId4"/>
+    <p:sldId id="259" r:id="rId4"/>
+    <p:sldId id="261" r:id="rId5"/>
+    <p:sldId id="262" r:id="rId6"/>
+    <p:sldId id="258" r:id="rId7"/>
   </p:sldIdLst>
   <p:sldSz cx="12192000" cy="6858000"/>
   <p:notesSz cx="6858000" cy="9144000"/>
@@ -15079,7 +15082,7 @@
           <a:p>
             <a:fld id="{0319E723-4D2A-4978-8F8C-15B267F18037}" type="datetimeFigureOut">
               <a:rPr lang="en-US" smtClean="0"/>
-              <a:t>8/30/2021</a:t>
+              <a:t>9/17/2021</a:t>
             </a:fld>
             <a:endParaRPr lang="en-US" dirty="0"/>
           </a:p>
@@ -15277,7 +15280,7 @@
           <a:p>
             <a:fld id="{0319E723-4D2A-4978-8F8C-15B267F18037}" type="datetimeFigureOut">
               <a:rPr lang="en-US" smtClean="0"/>
-              <a:t>8/30/2021</a:t>
+              <a:t>9/17/2021</a:t>
             </a:fld>
             <a:endParaRPr lang="en-US" dirty="0"/>
           </a:p>
@@ -15485,7 +15488,7 @@
           <a:p>
             <a:fld id="{0319E723-4D2A-4978-8F8C-15B267F18037}" type="datetimeFigureOut">
               <a:rPr lang="en-US" smtClean="0"/>
-              <a:t>8/30/2021</a:t>
+              <a:t>9/17/2021</a:t>
             </a:fld>
             <a:endParaRPr lang="en-US" dirty="0"/>
           </a:p>
@@ -15683,7 +15686,7 @@
           <a:p>
             <a:fld id="{0319E723-4D2A-4978-8F8C-15B267F18037}" type="datetimeFigureOut">
               <a:rPr lang="en-US" smtClean="0"/>
-              <a:t>8/30/2021</a:t>
+              <a:t>9/17/2021</a:t>
             </a:fld>
             <a:endParaRPr lang="en-US" dirty="0"/>
           </a:p>
@@ -15958,7 +15961,7 @@
           <a:p>
             <a:fld id="{0319E723-4D2A-4978-8F8C-15B267F18037}" type="datetimeFigureOut">
               <a:rPr lang="en-US" smtClean="0"/>
-              <a:t>8/30/2021</a:t>
+              <a:t>9/17/2021</a:t>
             </a:fld>
             <a:endParaRPr lang="en-US" dirty="0"/>
           </a:p>
@@ -16223,7 +16226,7 @@
           <a:p>
             <a:fld id="{0319E723-4D2A-4978-8F8C-15B267F18037}" type="datetimeFigureOut">
               <a:rPr lang="en-US" smtClean="0"/>
-              <a:t>8/30/2021</a:t>
+              <a:t>9/17/2021</a:t>
             </a:fld>
             <a:endParaRPr lang="en-US" dirty="0"/>
           </a:p>
@@ -16635,7 +16638,7 @@
           <a:p>
             <a:fld id="{0319E723-4D2A-4978-8F8C-15B267F18037}" type="datetimeFigureOut">
               <a:rPr lang="en-US" smtClean="0"/>
-              <a:t>8/30/2021</a:t>
+              <a:t>9/17/2021</a:t>
             </a:fld>
             <a:endParaRPr lang="en-US" dirty="0"/>
           </a:p>
@@ -16776,7 +16779,7 @@
           <a:p>
             <a:fld id="{0319E723-4D2A-4978-8F8C-15B267F18037}" type="datetimeFigureOut">
               <a:rPr lang="en-US" smtClean="0"/>
-              <a:t>8/30/2021</a:t>
+              <a:t>9/17/2021</a:t>
             </a:fld>
             <a:endParaRPr lang="en-US" dirty="0"/>
           </a:p>
@@ -16889,7 +16892,7 @@
           <a:p>
             <a:fld id="{0319E723-4D2A-4978-8F8C-15B267F18037}" type="datetimeFigureOut">
               <a:rPr lang="en-US" smtClean="0"/>
-              <a:t>8/30/2021</a:t>
+              <a:t>9/17/2021</a:t>
             </a:fld>
             <a:endParaRPr lang="en-US" dirty="0"/>
           </a:p>
@@ -17200,7 +17203,7 @@
           <a:p>
             <a:fld id="{0319E723-4D2A-4978-8F8C-15B267F18037}" type="datetimeFigureOut">
               <a:rPr lang="en-US" smtClean="0"/>
-              <a:t>8/30/2021</a:t>
+              <a:t>9/17/2021</a:t>
             </a:fld>
             <a:endParaRPr lang="en-US" dirty="0"/>
           </a:p>
@@ -17488,7 +17491,7 @@
           <a:p>
             <a:fld id="{0319E723-4D2A-4978-8F8C-15B267F18037}" type="datetimeFigureOut">
               <a:rPr lang="en-US" smtClean="0"/>
-              <a:t>8/30/2021</a:t>
+              <a:t>9/17/2021</a:t>
             </a:fld>
             <a:endParaRPr lang="en-US" dirty="0"/>
           </a:p>
@@ -17729,7 +17732,7 @@
           <a:p>
             <a:fld id="{0319E723-4D2A-4978-8F8C-15B267F18037}" type="datetimeFigureOut">
               <a:rPr lang="en-US" smtClean="0"/>
-              <a:t>8/30/2021</a:t>
+              <a:t>9/17/2021</a:t>
             </a:fld>
             <a:endParaRPr lang="en-US" dirty="0"/>
           </a:p>
@@ -19736,6 +19739,1734 @@
           <a:chExt cx="0" cy="0"/>
         </a:xfrm>
       </p:grpSpPr>
+      <p:graphicFrame>
+        <p:nvGraphicFramePr>
+          <p:cNvPr id="2" name="Table 2">
+            <a:extLst>
+              <a:ext uri="{FF2B5EF4-FFF2-40B4-BE49-F238E27FC236}">
+                <a16:creationId xmlns:a16="http://schemas.microsoft.com/office/drawing/2014/main" id="{F091258C-89D9-4122-B2DD-D5D6F7B85924}"/>
+              </a:ext>
+            </a:extLst>
+          </p:cNvPr>
+          <p:cNvGraphicFramePr>
+            <a:graphicFrameLocks noGrp="1"/>
+          </p:cNvGraphicFramePr>
+          <p:nvPr>
+            <p:extLst>
+              <p:ext uri="{D42A27DB-BD31-4B8C-83A1-F6EECF244321}">
+                <p14:modId xmlns:p14="http://schemas.microsoft.com/office/powerpoint/2010/main" val="2231440345"/>
+              </p:ext>
+            </p:extLst>
+          </p:nvPr>
+        </p:nvGraphicFramePr>
+        <p:xfrm>
+          <a:off x="1403350" y="1755322"/>
+          <a:ext cx="3405413" cy="1497388"/>
+        </p:xfrm>
+        <a:graphic>
+          <a:graphicData uri="http://schemas.openxmlformats.org/drawingml/2006/table">
+            <a:tbl>
+              <a:tblPr firstRow="1" bandRow="1">
+                <a:tableStyleId>{5C22544A-7EE6-4342-B048-85BDC9FD1C3A}</a:tableStyleId>
+              </a:tblPr>
+              <a:tblGrid>
+                <a:gridCol w="870382">
+                  <a:extLst>
+                    <a:ext uri="{9D8B030D-6E8A-4147-A177-3AD203B41FA5}">
+                      <a16:colId xmlns:a16="http://schemas.microsoft.com/office/drawing/2014/main" val="1771908781"/>
+                    </a:ext>
+                  </a:extLst>
+                </a:gridCol>
+                <a:gridCol w="2535031">
+                  <a:extLst>
+                    <a:ext uri="{9D8B030D-6E8A-4147-A177-3AD203B41FA5}">
+                      <a16:colId xmlns:a16="http://schemas.microsoft.com/office/drawing/2014/main" val="349610141"/>
+                    </a:ext>
+                  </a:extLst>
+                </a:gridCol>
+              </a:tblGrid>
+              <a:tr h="374347">
+                <a:tc>
+                  <a:txBody>
+                    <a:bodyPr/>
+                    <a:lstStyle/>
+                    <a:p>
+                      <a:r>
+                        <a:rPr lang="en-US" dirty="0"/>
+                        <a:t>id</a:t>
+                      </a:r>
+                    </a:p>
+                  </a:txBody>
+                  <a:tcPr/>
+                </a:tc>
+                <a:tc>
+                  <a:txBody>
+                    <a:bodyPr/>
+                    <a:lstStyle/>
+                    <a:p>
+                      <a:r>
+                        <a:rPr lang="en-US" dirty="0"/>
+                        <a:t>Email</a:t>
+                      </a:r>
+                    </a:p>
+                  </a:txBody>
+                  <a:tcPr/>
+                </a:tc>
+                <a:extLst>
+                  <a:ext uri="{0D108BD9-81ED-4DB2-BD59-A6C34878D82A}">
+                    <a16:rowId xmlns:a16="http://schemas.microsoft.com/office/drawing/2014/main" val="2646099301"/>
+                  </a:ext>
+                </a:extLst>
+              </a:tr>
+              <a:tr h="374347">
+                <a:tc>
+                  <a:txBody>
+                    <a:bodyPr/>
+                    <a:lstStyle/>
+                    <a:p>
+                      <a:r>
+                        <a:rPr lang="en-US" dirty="0"/>
+                        <a:t>1</a:t>
+                      </a:r>
+                    </a:p>
+                  </a:txBody>
+                  <a:tcPr/>
+                </a:tc>
+                <a:tc>
+                  <a:txBody>
+                    <a:bodyPr/>
+                    <a:lstStyle/>
+                    <a:p>
+                      <a:r>
+                        <a:rPr lang="en-US" dirty="0">
+                          <a:hlinkClick r:id="rId2"/>
+                        </a:rPr>
+                        <a:t>JohnSmith@email.com</a:t>
+                      </a:r>
+                      <a:endParaRPr lang="en-US" dirty="0"/>
+                    </a:p>
+                  </a:txBody>
+                  <a:tcPr/>
+                </a:tc>
+                <a:extLst>
+                  <a:ext uri="{0D108BD9-81ED-4DB2-BD59-A6C34878D82A}">
+                    <a16:rowId xmlns:a16="http://schemas.microsoft.com/office/drawing/2014/main" val="839337687"/>
+                  </a:ext>
+                </a:extLst>
+              </a:tr>
+              <a:tr h="374347">
+                <a:tc>
+                  <a:txBody>
+                    <a:bodyPr/>
+                    <a:lstStyle/>
+                    <a:p>
+                      <a:r>
+                        <a:rPr lang="en-US" dirty="0"/>
+                        <a:t>2</a:t>
+                      </a:r>
+                    </a:p>
+                  </a:txBody>
+                  <a:tcPr/>
+                </a:tc>
+                <a:tc>
+                  <a:txBody>
+                    <a:bodyPr/>
+                    <a:lstStyle/>
+                    <a:p>
+                      <a:r>
+                        <a:rPr lang="en-US" dirty="0">
+                          <a:hlinkClick r:id="rId3"/>
+                        </a:rPr>
+                        <a:t>BobJones@email.com</a:t>
+                      </a:r>
+                      <a:endParaRPr lang="en-US" dirty="0"/>
+                    </a:p>
+                  </a:txBody>
+                  <a:tcPr/>
+                </a:tc>
+                <a:extLst>
+                  <a:ext uri="{0D108BD9-81ED-4DB2-BD59-A6C34878D82A}">
+                    <a16:rowId xmlns:a16="http://schemas.microsoft.com/office/drawing/2014/main" val="3086867387"/>
+                  </a:ext>
+                </a:extLst>
+              </a:tr>
+              <a:tr h="374347">
+                <a:tc>
+                  <a:txBody>
+                    <a:bodyPr/>
+                    <a:lstStyle/>
+                    <a:p>
+                      <a:r>
+                        <a:rPr lang="en-US" dirty="0"/>
+                        <a:t>3</a:t>
+                      </a:r>
+                    </a:p>
+                  </a:txBody>
+                  <a:tcPr/>
+                </a:tc>
+                <a:tc>
+                  <a:txBody>
+                    <a:bodyPr/>
+                    <a:lstStyle/>
+                    <a:p>
+                      <a:r>
+                        <a:rPr lang="en-US" dirty="0">
+                          <a:hlinkClick r:id="rId2"/>
+                        </a:rPr>
+                        <a:t>JohnSmith@email.com</a:t>
+                      </a:r>
+                      <a:r>
+                        <a:rPr lang="en-US" dirty="0"/>
+                        <a:t> </a:t>
+                      </a:r>
+                    </a:p>
+                  </a:txBody>
+                  <a:tcPr/>
+                </a:tc>
+                <a:extLst>
+                  <a:ext uri="{0D108BD9-81ED-4DB2-BD59-A6C34878D82A}">
+                    <a16:rowId xmlns:a16="http://schemas.microsoft.com/office/drawing/2014/main" val="1719829227"/>
+                  </a:ext>
+                </a:extLst>
+              </a:tr>
+            </a:tbl>
+          </a:graphicData>
+        </a:graphic>
+      </p:graphicFrame>
+      <p:graphicFrame>
+        <p:nvGraphicFramePr>
+          <p:cNvPr id="3" name="Table 2">
+            <a:extLst>
+              <a:ext uri="{FF2B5EF4-FFF2-40B4-BE49-F238E27FC236}">
+                <a16:creationId xmlns:a16="http://schemas.microsoft.com/office/drawing/2014/main" id="{4CB21B17-1EA3-4BA3-BED0-55D3E663DC19}"/>
+              </a:ext>
+            </a:extLst>
+          </p:cNvPr>
+          <p:cNvGraphicFramePr>
+            <a:graphicFrameLocks noGrp="1"/>
+          </p:cNvGraphicFramePr>
+          <p:nvPr>
+            <p:extLst>
+              <p:ext uri="{D42A27DB-BD31-4B8C-83A1-F6EECF244321}">
+                <p14:modId xmlns:p14="http://schemas.microsoft.com/office/powerpoint/2010/main" val="1529272191"/>
+              </p:ext>
+            </p:extLst>
+          </p:nvPr>
+        </p:nvGraphicFramePr>
+        <p:xfrm>
+          <a:off x="6715578" y="1755322"/>
+          <a:ext cx="3405413" cy="1123041"/>
+        </p:xfrm>
+        <a:graphic>
+          <a:graphicData uri="http://schemas.openxmlformats.org/drawingml/2006/table">
+            <a:tbl>
+              <a:tblPr firstRow="1" bandRow="1">
+                <a:tableStyleId>{5C22544A-7EE6-4342-B048-85BDC9FD1C3A}</a:tableStyleId>
+              </a:tblPr>
+              <a:tblGrid>
+                <a:gridCol w="870382">
+                  <a:extLst>
+                    <a:ext uri="{9D8B030D-6E8A-4147-A177-3AD203B41FA5}">
+                      <a16:colId xmlns:a16="http://schemas.microsoft.com/office/drawing/2014/main" val="1771908781"/>
+                    </a:ext>
+                  </a:extLst>
+                </a:gridCol>
+                <a:gridCol w="2535031">
+                  <a:extLst>
+                    <a:ext uri="{9D8B030D-6E8A-4147-A177-3AD203B41FA5}">
+                      <a16:colId xmlns:a16="http://schemas.microsoft.com/office/drawing/2014/main" val="349610141"/>
+                    </a:ext>
+                  </a:extLst>
+                </a:gridCol>
+              </a:tblGrid>
+              <a:tr h="374347">
+                <a:tc>
+                  <a:txBody>
+                    <a:bodyPr/>
+                    <a:lstStyle/>
+                    <a:p>
+                      <a:r>
+                        <a:rPr lang="en-US" dirty="0"/>
+                        <a:t>id</a:t>
+                      </a:r>
+                    </a:p>
+                  </a:txBody>
+                  <a:tcPr/>
+                </a:tc>
+                <a:tc>
+                  <a:txBody>
+                    <a:bodyPr/>
+                    <a:lstStyle/>
+                    <a:p>
+                      <a:r>
+                        <a:rPr lang="en-US" dirty="0"/>
+                        <a:t>Email</a:t>
+                      </a:r>
+                    </a:p>
+                  </a:txBody>
+                  <a:tcPr/>
+                </a:tc>
+                <a:extLst>
+                  <a:ext uri="{0D108BD9-81ED-4DB2-BD59-A6C34878D82A}">
+                    <a16:rowId xmlns:a16="http://schemas.microsoft.com/office/drawing/2014/main" val="2646099301"/>
+                  </a:ext>
+                </a:extLst>
+              </a:tr>
+              <a:tr h="374347">
+                <a:tc>
+                  <a:txBody>
+                    <a:bodyPr/>
+                    <a:lstStyle/>
+                    <a:p>
+                      <a:r>
+                        <a:rPr lang="en-US" dirty="0"/>
+                        <a:t>1</a:t>
+                      </a:r>
+                    </a:p>
+                  </a:txBody>
+                  <a:tcPr/>
+                </a:tc>
+                <a:tc>
+                  <a:txBody>
+                    <a:bodyPr/>
+                    <a:lstStyle/>
+                    <a:p>
+                      <a:r>
+                        <a:rPr lang="en-US" dirty="0">
+                          <a:hlinkClick r:id="rId2"/>
+                        </a:rPr>
+                        <a:t>JohnSmith@email.com</a:t>
+                      </a:r>
+                      <a:endParaRPr lang="en-US" dirty="0"/>
+                    </a:p>
+                  </a:txBody>
+                  <a:tcPr/>
+                </a:tc>
+                <a:extLst>
+                  <a:ext uri="{0D108BD9-81ED-4DB2-BD59-A6C34878D82A}">
+                    <a16:rowId xmlns:a16="http://schemas.microsoft.com/office/drawing/2014/main" val="839337687"/>
+                  </a:ext>
+                </a:extLst>
+              </a:tr>
+              <a:tr h="374347">
+                <a:tc>
+                  <a:txBody>
+                    <a:bodyPr/>
+                    <a:lstStyle/>
+                    <a:p>
+                      <a:r>
+                        <a:rPr lang="en-US" dirty="0"/>
+                        <a:t>2</a:t>
+                      </a:r>
+                    </a:p>
+                  </a:txBody>
+                  <a:tcPr/>
+                </a:tc>
+                <a:tc>
+                  <a:txBody>
+                    <a:bodyPr/>
+                    <a:lstStyle/>
+                    <a:p>
+                      <a:r>
+                        <a:rPr lang="en-US" dirty="0">
+                          <a:hlinkClick r:id="rId3"/>
+                        </a:rPr>
+                        <a:t>BobJones@email.com</a:t>
+                      </a:r>
+                      <a:endParaRPr lang="en-US" dirty="0"/>
+                    </a:p>
+                  </a:txBody>
+                  <a:tcPr/>
+                </a:tc>
+                <a:extLst>
+                  <a:ext uri="{0D108BD9-81ED-4DB2-BD59-A6C34878D82A}">
+                    <a16:rowId xmlns:a16="http://schemas.microsoft.com/office/drawing/2014/main" val="3086867387"/>
+                  </a:ext>
+                </a:extLst>
+              </a:tr>
+            </a:tbl>
+          </a:graphicData>
+        </a:graphic>
+      </p:graphicFrame>
+      <p:sp>
+        <p:nvSpPr>
+          <p:cNvPr id="4" name="TextBox 3">
+            <a:extLst>
+              <a:ext uri="{FF2B5EF4-FFF2-40B4-BE49-F238E27FC236}">
+                <a16:creationId xmlns:a16="http://schemas.microsoft.com/office/drawing/2014/main" id="{976781F5-5E8D-476A-B8F3-5A1C447DA560}"/>
+              </a:ext>
+            </a:extLst>
+          </p:cNvPr>
+          <p:cNvSpPr txBox="1"/>
+          <p:nvPr/>
+        </p:nvSpPr>
+        <p:spPr>
+          <a:xfrm>
+            <a:off x="2763654" y="1385990"/>
+            <a:ext cx="684803" cy="369332"/>
+          </a:xfrm>
+          <a:prstGeom prst="rect">
+            <a:avLst/>
+          </a:prstGeom>
+          <a:noFill/>
+        </p:spPr>
+        <p:txBody>
+          <a:bodyPr wrap="none" rtlCol="0">
+            <a:spAutoFit/>
+          </a:bodyPr>
+          <a:lstStyle/>
+          <a:p>
+            <a:r>
+              <a:rPr lang="en-US" dirty="0"/>
+              <a:t>Input</a:t>
+            </a:r>
+          </a:p>
+        </p:txBody>
+      </p:sp>
+      <p:sp>
+        <p:nvSpPr>
+          <p:cNvPr id="5" name="TextBox 4">
+            <a:extLst>
+              <a:ext uri="{FF2B5EF4-FFF2-40B4-BE49-F238E27FC236}">
+                <a16:creationId xmlns:a16="http://schemas.microsoft.com/office/drawing/2014/main" id="{1C72F70B-0562-49B0-8092-57D4C41A4581}"/>
+              </a:ext>
+            </a:extLst>
+          </p:cNvPr>
+          <p:cNvSpPr txBox="1"/>
+          <p:nvPr/>
+        </p:nvSpPr>
+        <p:spPr>
+          <a:xfrm>
+            <a:off x="7534516" y="1385990"/>
+            <a:ext cx="1767535" cy="369332"/>
+          </a:xfrm>
+          <a:prstGeom prst="rect">
+            <a:avLst/>
+          </a:prstGeom>
+          <a:noFill/>
+        </p:spPr>
+        <p:txBody>
+          <a:bodyPr wrap="none" rtlCol="0">
+            <a:spAutoFit/>
+          </a:bodyPr>
+          <a:lstStyle/>
+          <a:p>
+            <a:r>
+              <a:rPr lang="en-US" dirty="0"/>
+              <a:t>Expected Output</a:t>
+            </a:r>
+          </a:p>
+        </p:txBody>
+      </p:sp>
+      <p:cxnSp>
+        <p:nvCxnSpPr>
+          <p:cNvPr id="7" name="Straight Arrow Connector 6">
+            <a:extLst>
+              <a:ext uri="{FF2B5EF4-FFF2-40B4-BE49-F238E27FC236}">
+                <a16:creationId xmlns:a16="http://schemas.microsoft.com/office/drawing/2014/main" id="{D3437AC1-4F3B-4613-AEE6-DCF1A75E4E6C}"/>
+              </a:ext>
+            </a:extLst>
+          </p:cNvPr>
+          <p:cNvCxnSpPr/>
+          <p:nvPr/>
+        </p:nvCxnSpPr>
+        <p:spPr>
+          <a:xfrm>
+            <a:off x="4808763" y="2504016"/>
+            <a:ext cx="1906815" cy="0"/>
+          </a:xfrm>
+          <a:prstGeom prst="straightConnector1">
+            <a:avLst/>
+          </a:prstGeom>
+          <a:ln>
+            <a:tailEnd type="triangle"/>
+          </a:ln>
+        </p:spPr>
+        <p:style>
+          <a:lnRef idx="1">
+            <a:schemeClr val="accent2"/>
+          </a:lnRef>
+          <a:fillRef idx="0">
+            <a:schemeClr val="accent2"/>
+          </a:fillRef>
+          <a:effectRef idx="0">
+            <a:schemeClr val="accent2"/>
+          </a:effectRef>
+          <a:fontRef idx="minor">
+            <a:schemeClr val="tx1"/>
+          </a:fontRef>
+        </p:style>
+      </p:cxnSp>
+    </p:spTree>
+    <p:extLst>
+      <p:ext uri="{BB962C8B-B14F-4D97-AF65-F5344CB8AC3E}">
+        <p14:creationId xmlns:p14="http://schemas.microsoft.com/office/powerpoint/2010/main" val="3857722378"/>
+      </p:ext>
+    </p:extLst>
+  </p:cSld>
+  <p:clrMapOvr>
+    <a:masterClrMapping/>
+  </p:clrMapOvr>
+</p:sld>
+</file>
+
+<file path=ppt/slides/slide4.xml><?xml version="1.0" encoding="utf-8"?>
+<p:sld xmlns:a="http://schemas.openxmlformats.org/drawingml/2006/main" xmlns:r="http://schemas.openxmlformats.org/officeDocument/2006/relationships" xmlns:p="http://schemas.openxmlformats.org/presentationml/2006/main">
+  <p:cSld>
+    <p:spTree>
+      <p:nvGrpSpPr>
+        <p:cNvPr id="1" name=""/>
+        <p:cNvGrpSpPr/>
+        <p:nvPr/>
+      </p:nvGrpSpPr>
+      <p:grpSpPr>
+        <a:xfrm>
+          <a:off x="0" y="0"/>
+          <a:ext cx="0" cy="0"/>
+          <a:chOff x="0" y="0"/>
+          <a:chExt cx="0" cy="0"/>
+        </a:xfrm>
+      </p:grpSpPr>
+      <p:graphicFrame>
+        <p:nvGraphicFramePr>
+          <p:cNvPr id="2" name="Table 2">
+            <a:extLst>
+              <a:ext uri="{FF2B5EF4-FFF2-40B4-BE49-F238E27FC236}">
+                <a16:creationId xmlns:a16="http://schemas.microsoft.com/office/drawing/2014/main" id="{F091258C-89D9-4122-B2DD-D5D6F7B85924}"/>
+              </a:ext>
+            </a:extLst>
+          </p:cNvPr>
+          <p:cNvGraphicFramePr>
+            <a:graphicFrameLocks noGrp="1"/>
+          </p:cNvGraphicFramePr>
+          <p:nvPr>
+            <p:extLst>
+              <p:ext uri="{D42A27DB-BD31-4B8C-83A1-F6EECF244321}">
+                <p14:modId xmlns:p14="http://schemas.microsoft.com/office/powerpoint/2010/main" val="2106891595"/>
+              </p:ext>
+            </p:extLst>
+          </p:nvPr>
+        </p:nvGraphicFramePr>
+        <p:xfrm>
+          <a:off x="1403350" y="1755322"/>
+          <a:ext cx="3405413" cy="1497388"/>
+        </p:xfrm>
+        <a:graphic>
+          <a:graphicData uri="http://schemas.openxmlformats.org/drawingml/2006/table">
+            <a:tbl>
+              <a:tblPr firstRow="1" bandRow="1">
+                <a:tableStyleId>{5C22544A-7EE6-4342-B048-85BDC9FD1C3A}</a:tableStyleId>
+              </a:tblPr>
+              <a:tblGrid>
+                <a:gridCol w="870382">
+                  <a:extLst>
+                    <a:ext uri="{9D8B030D-6E8A-4147-A177-3AD203B41FA5}">
+                      <a16:colId xmlns:a16="http://schemas.microsoft.com/office/drawing/2014/main" val="1771908781"/>
+                    </a:ext>
+                  </a:extLst>
+                </a:gridCol>
+                <a:gridCol w="2535031">
+                  <a:extLst>
+                    <a:ext uri="{9D8B030D-6E8A-4147-A177-3AD203B41FA5}">
+                      <a16:colId xmlns:a16="http://schemas.microsoft.com/office/drawing/2014/main" val="349610141"/>
+                    </a:ext>
+                  </a:extLst>
+                </a:gridCol>
+              </a:tblGrid>
+              <a:tr h="374347">
+                <a:tc>
+                  <a:txBody>
+                    <a:bodyPr/>
+                    <a:lstStyle/>
+                    <a:p>
+                      <a:r>
+                        <a:rPr lang="en-US" dirty="0"/>
+                        <a:t>id</a:t>
+                      </a:r>
+                    </a:p>
+                  </a:txBody>
+                  <a:tcPr/>
+                </a:tc>
+                <a:tc>
+                  <a:txBody>
+                    <a:bodyPr/>
+                    <a:lstStyle/>
+                    <a:p>
+                      <a:r>
+                        <a:rPr lang="en-US" dirty="0"/>
+                        <a:t>Salary</a:t>
+                      </a:r>
+                    </a:p>
+                  </a:txBody>
+                  <a:tcPr/>
+                </a:tc>
+                <a:extLst>
+                  <a:ext uri="{0D108BD9-81ED-4DB2-BD59-A6C34878D82A}">
+                    <a16:rowId xmlns:a16="http://schemas.microsoft.com/office/drawing/2014/main" val="2646099301"/>
+                  </a:ext>
+                </a:extLst>
+              </a:tr>
+              <a:tr h="374347">
+                <a:tc>
+                  <a:txBody>
+                    <a:bodyPr/>
+                    <a:lstStyle/>
+                    <a:p>
+                      <a:r>
+                        <a:rPr lang="en-US" dirty="0"/>
+                        <a:t>1</a:t>
+                      </a:r>
+                    </a:p>
+                  </a:txBody>
+                  <a:tcPr/>
+                </a:tc>
+                <a:tc>
+                  <a:txBody>
+                    <a:bodyPr/>
+                    <a:lstStyle/>
+                    <a:p>
+                      <a:r>
+                        <a:rPr lang="en-US" dirty="0"/>
+                        <a:t>100</a:t>
+                      </a:r>
+                    </a:p>
+                  </a:txBody>
+                  <a:tcPr/>
+                </a:tc>
+                <a:extLst>
+                  <a:ext uri="{0D108BD9-81ED-4DB2-BD59-A6C34878D82A}">
+                    <a16:rowId xmlns:a16="http://schemas.microsoft.com/office/drawing/2014/main" val="839337687"/>
+                  </a:ext>
+                </a:extLst>
+              </a:tr>
+              <a:tr h="374347">
+                <a:tc>
+                  <a:txBody>
+                    <a:bodyPr/>
+                    <a:lstStyle/>
+                    <a:p>
+                      <a:r>
+                        <a:rPr lang="en-US" dirty="0"/>
+                        <a:t>2</a:t>
+                      </a:r>
+                    </a:p>
+                  </a:txBody>
+                  <a:tcPr/>
+                </a:tc>
+                <a:tc>
+                  <a:txBody>
+                    <a:bodyPr/>
+                    <a:lstStyle/>
+                    <a:p>
+                      <a:r>
+                        <a:rPr lang="en-US" dirty="0"/>
+                        <a:t>200</a:t>
+                      </a:r>
+                    </a:p>
+                  </a:txBody>
+                  <a:tcPr/>
+                </a:tc>
+                <a:extLst>
+                  <a:ext uri="{0D108BD9-81ED-4DB2-BD59-A6C34878D82A}">
+                    <a16:rowId xmlns:a16="http://schemas.microsoft.com/office/drawing/2014/main" val="3086867387"/>
+                  </a:ext>
+                </a:extLst>
+              </a:tr>
+              <a:tr h="374347">
+                <a:tc>
+                  <a:txBody>
+                    <a:bodyPr/>
+                    <a:lstStyle/>
+                    <a:p>
+                      <a:r>
+                        <a:rPr lang="en-US" dirty="0"/>
+                        <a:t>3</a:t>
+                      </a:r>
+                    </a:p>
+                  </a:txBody>
+                  <a:tcPr/>
+                </a:tc>
+                <a:tc>
+                  <a:txBody>
+                    <a:bodyPr/>
+                    <a:lstStyle/>
+                    <a:p>
+                      <a:r>
+                        <a:rPr lang="en-US" dirty="0"/>
+                        <a:t>300</a:t>
+                      </a:r>
+                    </a:p>
+                  </a:txBody>
+                  <a:tcPr/>
+                </a:tc>
+                <a:extLst>
+                  <a:ext uri="{0D108BD9-81ED-4DB2-BD59-A6C34878D82A}">
+                    <a16:rowId xmlns:a16="http://schemas.microsoft.com/office/drawing/2014/main" val="1719829227"/>
+                  </a:ext>
+                </a:extLst>
+              </a:tr>
+            </a:tbl>
+          </a:graphicData>
+        </a:graphic>
+      </p:graphicFrame>
+      <p:graphicFrame>
+        <p:nvGraphicFramePr>
+          <p:cNvPr id="3" name="Table 2">
+            <a:extLst>
+              <a:ext uri="{FF2B5EF4-FFF2-40B4-BE49-F238E27FC236}">
+                <a16:creationId xmlns:a16="http://schemas.microsoft.com/office/drawing/2014/main" id="{4CB21B17-1EA3-4BA3-BED0-55D3E663DC19}"/>
+              </a:ext>
+            </a:extLst>
+          </p:cNvPr>
+          <p:cNvGraphicFramePr>
+            <a:graphicFrameLocks noGrp="1"/>
+          </p:cNvGraphicFramePr>
+          <p:nvPr>
+            <p:extLst>
+              <p:ext uri="{D42A27DB-BD31-4B8C-83A1-F6EECF244321}">
+                <p14:modId xmlns:p14="http://schemas.microsoft.com/office/powerpoint/2010/main" val="2244626377"/>
+              </p:ext>
+            </p:extLst>
+          </p:nvPr>
+        </p:nvGraphicFramePr>
+        <p:xfrm>
+          <a:off x="6946660" y="1755322"/>
+          <a:ext cx="2535031" cy="748694"/>
+        </p:xfrm>
+        <a:graphic>
+          <a:graphicData uri="http://schemas.openxmlformats.org/drawingml/2006/table">
+            <a:tbl>
+              <a:tblPr firstRow="1" bandRow="1">
+                <a:tableStyleId>{5C22544A-7EE6-4342-B048-85BDC9FD1C3A}</a:tableStyleId>
+              </a:tblPr>
+              <a:tblGrid>
+                <a:gridCol w="2535031">
+                  <a:extLst>
+                    <a:ext uri="{9D8B030D-6E8A-4147-A177-3AD203B41FA5}">
+                      <a16:colId xmlns:a16="http://schemas.microsoft.com/office/drawing/2014/main" val="349610141"/>
+                    </a:ext>
+                  </a:extLst>
+                </a:gridCol>
+              </a:tblGrid>
+              <a:tr h="374347">
+                <a:tc>
+                  <a:txBody>
+                    <a:bodyPr/>
+                    <a:lstStyle/>
+                    <a:p>
+                      <a:r>
+                        <a:rPr lang="en-US" dirty="0" err="1"/>
+                        <a:t>SecondHighestSalary</a:t>
+                      </a:r>
+                      <a:endParaRPr lang="en-US" dirty="0"/>
+                    </a:p>
+                  </a:txBody>
+                  <a:tcPr/>
+                </a:tc>
+                <a:extLst>
+                  <a:ext uri="{0D108BD9-81ED-4DB2-BD59-A6C34878D82A}">
+                    <a16:rowId xmlns:a16="http://schemas.microsoft.com/office/drawing/2014/main" val="2646099301"/>
+                  </a:ext>
+                </a:extLst>
+              </a:tr>
+              <a:tr h="374347">
+                <a:tc>
+                  <a:txBody>
+                    <a:bodyPr/>
+                    <a:lstStyle/>
+                    <a:p>
+                      <a:r>
+                        <a:rPr lang="en-US" dirty="0"/>
+                        <a:t>200</a:t>
+                      </a:r>
+                    </a:p>
+                  </a:txBody>
+                  <a:tcPr/>
+                </a:tc>
+                <a:extLst>
+                  <a:ext uri="{0D108BD9-81ED-4DB2-BD59-A6C34878D82A}">
+                    <a16:rowId xmlns:a16="http://schemas.microsoft.com/office/drawing/2014/main" val="839337687"/>
+                  </a:ext>
+                </a:extLst>
+              </a:tr>
+            </a:tbl>
+          </a:graphicData>
+        </a:graphic>
+      </p:graphicFrame>
+      <p:sp>
+        <p:nvSpPr>
+          <p:cNvPr id="4" name="TextBox 3">
+            <a:extLst>
+              <a:ext uri="{FF2B5EF4-FFF2-40B4-BE49-F238E27FC236}">
+                <a16:creationId xmlns:a16="http://schemas.microsoft.com/office/drawing/2014/main" id="{976781F5-5E8D-476A-B8F3-5A1C447DA560}"/>
+              </a:ext>
+            </a:extLst>
+          </p:cNvPr>
+          <p:cNvSpPr txBox="1"/>
+          <p:nvPr/>
+        </p:nvSpPr>
+        <p:spPr>
+          <a:xfrm>
+            <a:off x="2763654" y="1385990"/>
+            <a:ext cx="684803" cy="369332"/>
+          </a:xfrm>
+          <a:prstGeom prst="rect">
+            <a:avLst/>
+          </a:prstGeom>
+          <a:noFill/>
+        </p:spPr>
+        <p:txBody>
+          <a:bodyPr wrap="none" rtlCol="0">
+            <a:spAutoFit/>
+          </a:bodyPr>
+          <a:lstStyle/>
+          <a:p>
+            <a:r>
+              <a:rPr lang="en-US" dirty="0"/>
+              <a:t>Input</a:t>
+            </a:r>
+          </a:p>
+        </p:txBody>
+      </p:sp>
+      <p:sp>
+        <p:nvSpPr>
+          <p:cNvPr id="5" name="TextBox 4">
+            <a:extLst>
+              <a:ext uri="{FF2B5EF4-FFF2-40B4-BE49-F238E27FC236}">
+                <a16:creationId xmlns:a16="http://schemas.microsoft.com/office/drawing/2014/main" id="{1C72F70B-0562-49B0-8092-57D4C41A4581}"/>
+              </a:ext>
+            </a:extLst>
+          </p:cNvPr>
+          <p:cNvSpPr txBox="1"/>
+          <p:nvPr/>
+        </p:nvSpPr>
+        <p:spPr>
+          <a:xfrm>
+            <a:off x="7534516" y="1385990"/>
+            <a:ext cx="1767535" cy="369332"/>
+          </a:xfrm>
+          <a:prstGeom prst="rect">
+            <a:avLst/>
+          </a:prstGeom>
+          <a:noFill/>
+        </p:spPr>
+        <p:txBody>
+          <a:bodyPr wrap="none" rtlCol="0">
+            <a:spAutoFit/>
+          </a:bodyPr>
+          <a:lstStyle/>
+          <a:p>
+            <a:r>
+              <a:rPr lang="en-US" dirty="0"/>
+              <a:t>Expected Output</a:t>
+            </a:r>
+          </a:p>
+        </p:txBody>
+      </p:sp>
+      <p:cxnSp>
+        <p:nvCxnSpPr>
+          <p:cNvPr id="7" name="Straight Arrow Connector 6">
+            <a:extLst>
+              <a:ext uri="{FF2B5EF4-FFF2-40B4-BE49-F238E27FC236}">
+                <a16:creationId xmlns:a16="http://schemas.microsoft.com/office/drawing/2014/main" id="{D3437AC1-4F3B-4613-AEE6-DCF1A75E4E6C}"/>
+              </a:ext>
+            </a:extLst>
+          </p:cNvPr>
+          <p:cNvCxnSpPr/>
+          <p:nvPr/>
+        </p:nvCxnSpPr>
+        <p:spPr>
+          <a:xfrm>
+            <a:off x="4874077" y="2193773"/>
+            <a:ext cx="1906815" cy="0"/>
+          </a:xfrm>
+          <a:prstGeom prst="straightConnector1">
+            <a:avLst/>
+          </a:prstGeom>
+          <a:ln>
+            <a:tailEnd type="triangle"/>
+          </a:ln>
+        </p:spPr>
+        <p:style>
+          <a:lnRef idx="1">
+            <a:schemeClr val="accent2"/>
+          </a:lnRef>
+          <a:fillRef idx="0">
+            <a:schemeClr val="accent2"/>
+          </a:fillRef>
+          <a:effectRef idx="0">
+            <a:schemeClr val="accent2"/>
+          </a:effectRef>
+          <a:fontRef idx="minor">
+            <a:schemeClr val="tx1"/>
+          </a:fontRef>
+        </p:style>
+      </p:cxnSp>
+    </p:spTree>
+    <p:extLst>
+      <p:ext uri="{BB962C8B-B14F-4D97-AF65-F5344CB8AC3E}">
+        <p14:creationId xmlns:p14="http://schemas.microsoft.com/office/powerpoint/2010/main" val="3839202797"/>
+      </p:ext>
+    </p:extLst>
+  </p:cSld>
+  <p:clrMapOvr>
+    <a:masterClrMapping/>
+  </p:clrMapOvr>
+</p:sld>
+</file>
+
+<file path=ppt/slides/slide5.xml><?xml version="1.0" encoding="utf-8"?>
+<p:sld xmlns:a="http://schemas.openxmlformats.org/drawingml/2006/main" xmlns:r="http://schemas.openxmlformats.org/officeDocument/2006/relationships" xmlns:p="http://schemas.openxmlformats.org/presentationml/2006/main">
+  <p:cSld>
+    <p:spTree>
+      <p:nvGrpSpPr>
+        <p:cNvPr id="1" name=""/>
+        <p:cNvGrpSpPr/>
+        <p:nvPr/>
+      </p:nvGrpSpPr>
+      <p:grpSpPr>
+        <a:xfrm>
+          <a:off x="0" y="0"/>
+          <a:ext cx="0" cy="0"/>
+          <a:chOff x="0" y="0"/>
+          <a:chExt cx="0" cy="0"/>
+        </a:xfrm>
+      </p:grpSpPr>
+      <p:graphicFrame>
+        <p:nvGraphicFramePr>
+          <p:cNvPr id="2" name="Table 2">
+            <a:extLst>
+              <a:ext uri="{FF2B5EF4-FFF2-40B4-BE49-F238E27FC236}">
+                <a16:creationId xmlns:a16="http://schemas.microsoft.com/office/drawing/2014/main" id="{F091258C-89D9-4122-B2DD-D5D6F7B85924}"/>
+              </a:ext>
+            </a:extLst>
+          </p:cNvPr>
+          <p:cNvGraphicFramePr>
+            <a:graphicFrameLocks noGrp="1"/>
+          </p:cNvGraphicFramePr>
+          <p:nvPr>
+            <p:extLst>
+              <p:ext uri="{D42A27DB-BD31-4B8C-83A1-F6EECF244321}">
+                <p14:modId xmlns:p14="http://schemas.microsoft.com/office/powerpoint/2010/main" val="1485469292"/>
+              </p:ext>
+            </p:extLst>
+          </p:nvPr>
+        </p:nvGraphicFramePr>
+        <p:xfrm>
+          <a:off x="498022" y="1755322"/>
+          <a:ext cx="3494312" cy="2246082"/>
+        </p:xfrm>
+        <a:graphic>
+          <a:graphicData uri="http://schemas.openxmlformats.org/drawingml/2006/table">
+            <a:tbl>
+              <a:tblPr firstRow="1" bandRow="1">
+                <a:tableStyleId>{5C22544A-7EE6-4342-B048-85BDC9FD1C3A}</a:tableStyleId>
+              </a:tblPr>
+              <a:tblGrid>
+                <a:gridCol w="587854">
+                  <a:extLst>
+                    <a:ext uri="{9D8B030D-6E8A-4147-A177-3AD203B41FA5}">
+                      <a16:colId xmlns:a16="http://schemas.microsoft.com/office/drawing/2014/main" val="1771908781"/>
+                    </a:ext>
+                  </a:extLst>
+                </a:gridCol>
+                <a:gridCol w="1453229">
+                  <a:extLst>
+                    <a:ext uri="{9D8B030D-6E8A-4147-A177-3AD203B41FA5}">
+                      <a16:colId xmlns:a16="http://schemas.microsoft.com/office/drawing/2014/main" val="349610141"/>
+                    </a:ext>
+                  </a:extLst>
+                </a:gridCol>
+                <a:gridCol w="1453229">
+                  <a:extLst>
+                    <a:ext uri="{9D8B030D-6E8A-4147-A177-3AD203B41FA5}">
+                      <a16:colId xmlns:a16="http://schemas.microsoft.com/office/drawing/2014/main" val="3894760428"/>
+                    </a:ext>
+                  </a:extLst>
+                </a:gridCol>
+              </a:tblGrid>
+              <a:tr h="374347">
+                <a:tc>
+                  <a:txBody>
+                    <a:bodyPr/>
+                    <a:lstStyle/>
+                    <a:p>
+                      <a:r>
+                        <a:rPr lang="en-US" dirty="0"/>
+                        <a:t>id</a:t>
+                      </a:r>
+                    </a:p>
+                  </a:txBody>
+                  <a:tcPr/>
+                </a:tc>
+                <a:tc>
+                  <a:txBody>
+                    <a:bodyPr/>
+                    <a:lstStyle/>
+                    <a:p>
+                      <a:r>
+                        <a:rPr lang="en-US" dirty="0"/>
+                        <a:t>revenue</a:t>
+                      </a:r>
+                    </a:p>
+                  </a:txBody>
+                  <a:tcPr/>
+                </a:tc>
+                <a:tc>
+                  <a:txBody>
+                    <a:bodyPr/>
+                    <a:lstStyle/>
+                    <a:p>
+                      <a:r>
+                        <a:rPr lang="en-US" dirty="0"/>
+                        <a:t>month</a:t>
+                      </a:r>
+                    </a:p>
+                  </a:txBody>
+                  <a:tcPr/>
+                </a:tc>
+                <a:extLst>
+                  <a:ext uri="{0D108BD9-81ED-4DB2-BD59-A6C34878D82A}">
+                    <a16:rowId xmlns:a16="http://schemas.microsoft.com/office/drawing/2014/main" val="2646099301"/>
+                  </a:ext>
+                </a:extLst>
+              </a:tr>
+              <a:tr h="374347">
+                <a:tc>
+                  <a:txBody>
+                    <a:bodyPr/>
+                    <a:lstStyle/>
+                    <a:p>
+                      <a:r>
+                        <a:rPr lang="en-US" dirty="0"/>
+                        <a:t>1</a:t>
+                      </a:r>
+                    </a:p>
+                  </a:txBody>
+                  <a:tcPr/>
+                </a:tc>
+                <a:tc>
+                  <a:txBody>
+                    <a:bodyPr/>
+                    <a:lstStyle/>
+                    <a:p>
+                      <a:r>
+                        <a:rPr lang="en-US" dirty="0"/>
+                        <a:t>1000</a:t>
+                      </a:r>
+                    </a:p>
+                  </a:txBody>
+                  <a:tcPr/>
+                </a:tc>
+                <a:tc>
+                  <a:txBody>
+                    <a:bodyPr/>
+                    <a:lstStyle/>
+                    <a:p>
+                      <a:r>
+                        <a:rPr lang="en-US" dirty="0"/>
+                        <a:t>Jan</a:t>
+                      </a:r>
+                    </a:p>
+                  </a:txBody>
+                  <a:tcPr/>
+                </a:tc>
+                <a:extLst>
+                  <a:ext uri="{0D108BD9-81ED-4DB2-BD59-A6C34878D82A}">
+                    <a16:rowId xmlns:a16="http://schemas.microsoft.com/office/drawing/2014/main" val="839337687"/>
+                  </a:ext>
+                </a:extLst>
+              </a:tr>
+              <a:tr h="374347">
+                <a:tc>
+                  <a:txBody>
+                    <a:bodyPr/>
+                    <a:lstStyle/>
+                    <a:p>
+                      <a:r>
+                        <a:rPr lang="en-US" dirty="0"/>
+                        <a:t>2</a:t>
+                      </a:r>
+                    </a:p>
+                  </a:txBody>
+                  <a:tcPr/>
+                </a:tc>
+                <a:tc>
+                  <a:txBody>
+                    <a:bodyPr/>
+                    <a:lstStyle/>
+                    <a:p>
+                      <a:r>
+                        <a:rPr lang="en-US" dirty="0"/>
+                        <a:t>8000</a:t>
+                      </a:r>
+                    </a:p>
+                  </a:txBody>
+                  <a:tcPr/>
+                </a:tc>
+                <a:tc>
+                  <a:txBody>
+                    <a:bodyPr/>
+                    <a:lstStyle/>
+                    <a:p>
+                      <a:r>
+                        <a:rPr lang="en-US" dirty="0"/>
+                        <a:t>Jan</a:t>
+                      </a:r>
+                    </a:p>
+                  </a:txBody>
+                  <a:tcPr/>
+                </a:tc>
+                <a:extLst>
+                  <a:ext uri="{0D108BD9-81ED-4DB2-BD59-A6C34878D82A}">
+                    <a16:rowId xmlns:a16="http://schemas.microsoft.com/office/drawing/2014/main" val="3086867387"/>
+                  </a:ext>
+                </a:extLst>
+              </a:tr>
+              <a:tr h="374347">
+                <a:tc>
+                  <a:txBody>
+                    <a:bodyPr/>
+                    <a:lstStyle/>
+                    <a:p>
+                      <a:r>
+                        <a:rPr lang="en-US" dirty="0"/>
+                        <a:t>3</a:t>
+                      </a:r>
+                    </a:p>
+                  </a:txBody>
+                  <a:tcPr/>
+                </a:tc>
+                <a:tc>
+                  <a:txBody>
+                    <a:bodyPr/>
+                    <a:lstStyle/>
+                    <a:p>
+                      <a:r>
+                        <a:rPr lang="en-US" dirty="0"/>
+                        <a:t>7000</a:t>
+                      </a:r>
+                    </a:p>
+                  </a:txBody>
+                  <a:tcPr/>
+                </a:tc>
+                <a:tc>
+                  <a:txBody>
+                    <a:bodyPr/>
+                    <a:lstStyle/>
+                    <a:p>
+                      <a:r>
+                        <a:rPr lang="en-US" dirty="0"/>
+                        <a:t>Mar</a:t>
+                      </a:r>
+                    </a:p>
+                  </a:txBody>
+                  <a:tcPr/>
+                </a:tc>
+                <a:extLst>
+                  <a:ext uri="{0D108BD9-81ED-4DB2-BD59-A6C34878D82A}">
+                    <a16:rowId xmlns:a16="http://schemas.microsoft.com/office/drawing/2014/main" val="1719829227"/>
+                  </a:ext>
+                </a:extLst>
+              </a:tr>
+              <a:tr h="374347">
+                <a:tc>
+                  <a:txBody>
+                    <a:bodyPr/>
+                    <a:lstStyle/>
+                    <a:p>
+                      <a:r>
+                        <a:rPr lang="en-US" dirty="0"/>
+                        <a:t>1</a:t>
+                      </a:r>
+                    </a:p>
+                  </a:txBody>
+                  <a:tcPr/>
+                </a:tc>
+                <a:tc>
+                  <a:txBody>
+                    <a:bodyPr/>
+                    <a:lstStyle/>
+                    <a:p>
+                      <a:r>
+                        <a:rPr lang="en-US" dirty="0"/>
+                        <a:t>6000</a:t>
+                      </a:r>
+                    </a:p>
+                  </a:txBody>
+                  <a:tcPr/>
+                </a:tc>
+                <a:tc>
+                  <a:txBody>
+                    <a:bodyPr/>
+                    <a:lstStyle/>
+                    <a:p>
+                      <a:r>
+                        <a:rPr lang="en-US" dirty="0"/>
+                        <a:t>Feb</a:t>
+                      </a:r>
+                    </a:p>
+                  </a:txBody>
+                  <a:tcPr/>
+                </a:tc>
+                <a:extLst>
+                  <a:ext uri="{0D108BD9-81ED-4DB2-BD59-A6C34878D82A}">
+                    <a16:rowId xmlns:a16="http://schemas.microsoft.com/office/drawing/2014/main" val="3560530253"/>
+                  </a:ext>
+                </a:extLst>
+              </a:tr>
+              <a:tr h="374347">
+                <a:tc>
+                  <a:txBody>
+                    <a:bodyPr/>
+                    <a:lstStyle/>
+                    <a:p>
+                      <a:r>
+                        <a:rPr lang="en-US" dirty="0"/>
+                        <a:t>…</a:t>
+                      </a:r>
+                    </a:p>
+                  </a:txBody>
+                  <a:tcPr/>
+                </a:tc>
+                <a:tc>
+                  <a:txBody>
+                    <a:bodyPr/>
+                    <a:lstStyle/>
+                    <a:p>
+                      <a:r>
+                        <a:rPr lang="en-US" dirty="0"/>
+                        <a:t>…</a:t>
+                      </a:r>
+                    </a:p>
+                  </a:txBody>
+                  <a:tcPr/>
+                </a:tc>
+                <a:tc>
+                  <a:txBody>
+                    <a:bodyPr/>
+                    <a:lstStyle/>
+                    <a:p>
+                      <a:r>
+                        <a:rPr lang="en-US" dirty="0"/>
+                        <a:t>…</a:t>
+                      </a:r>
+                    </a:p>
+                  </a:txBody>
+                  <a:tcPr/>
+                </a:tc>
+                <a:extLst>
+                  <a:ext uri="{0D108BD9-81ED-4DB2-BD59-A6C34878D82A}">
+                    <a16:rowId xmlns:a16="http://schemas.microsoft.com/office/drawing/2014/main" val="3187292799"/>
+                  </a:ext>
+                </a:extLst>
+              </a:tr>
+            </a:tbl>
+          </a:graphicData>
+        </a:graphic>
+      </p:graphicFrame>
+      <p:sp>
+        <p:nvSpPr>
+          <p:cNvPr id="4" name="TextBox 3">
+            <a:extLst>
+              <a:ext uri="{FF2B5EF4-FFF2-40B4-BE49-F238E27FC236}">
+                <a16:creationId xmlns:a16="http://schemas.microsoft.com/office/drawing/2014/main" id="{976781F5-5E8D-476A-B8F3-5A1C447DA560}"/>
+              </a:ext>
+            </a:extLst>
+          </p:cNvPr>
+          <p:cNvSpPr txBox="1"/>
+          <p:nvPr/>
+        </p:nvSpPr>
+        <p:spPr>
+          <a:xfrm>
+            <a:off x="1947226" y="1385990"/>
+            <a:ext cx="684803" cy="369332"/>
+          </a:xfrm>
+          <a:prstGeom prst="rect">
+            <a:avLst/>
+          </a:prstGeom>
+          <a:noFill/>
+        </p:spPr>
+        <p:txBody>
+          <a:bodyPr wrap="none" rtlCol="0">
+            <a:spAutoFit/>
+          </a:bodyPr>
+          <a:lstStyle/>
+          <a:p>
+            <a:r>
+              <a:rPr lang="en-US" dirty="0"/>
+              <a:t>Input</a:t>
+            </a:r>
+          </a:p>
+        </p:txBody>
+      </p:sp>
+      <p:sp>
+        <p:nvSpPr>
+          <p:cNvPr id="5" name="TextBox 4">
+            <a:extLst>
+              <a:ext uri="{FF2B5EF4-FFF2-40B4-BE49-F238E27FC236}">
+                <a16:creationId xmlns:a16="http://schemas.microsoft.com/office/drawing/2014/main" id="{1C72F70B-0562-49B0-8092-57D4C41A4581}"/>
+              </a:ext>
+            </a:extLst>
+          </p:cNvPr>
+          <p:cNvSpPr txBox="1"/>
+          <p:nvPr/>
+        </p:nvSpPr>
+        <p:spPr>
+          <a:xfrm>
+            <a:off x="7389374" y="1385990"/>
+            <a:ext cx="1767535" cy="369332"/>
+          </a:xfrm>
+          <a:prstGeom prst="rect">
+            <a:avLst/>
+          </a:prstGeom>
+          <a:noFill/>
+        </p:spPr>
+        <p:txBody>
+          <a:bodyPr wrap="none" rtlCol="0">
+            <a:spAutoFit/>
+          </a:bodyPr>
+          <a:lstStyle/>
+          <a:p>
+            <a:r>
+              <a:rPr lang="en-US" dirty="0"/>
+              <a:t>Expected Output</a:t>
+            </a:r>
+          </a:p>
+        </p:txBody>
+      </p:sp>
+      <p:cxnSp>
+        <p:nvCxnSpPr>
+          <p:cNvPr id="7" name="Straight Arrow Connector 6">
+            <a:extLst>
+              <a:ext uri="{FF2B5EF4-FFF2-40B4-BE49-F238E27FC236}">
+                <a16:creationId xmlns:a16="http://schemas.microsoft.com/office/drawing/2014/main" id="{D3437AC1-4F3B-4613-AEE6-DCF1A75E4E6C}"/>
+              </a:ext>
+            </a:extLst>
+          </p:cNvPr>
+          <p:cNvCxnSpPr>
+            <a:cxnSpLocks/>
+          </p:cNvCxnSpPr>
+          <p:nvPr/>
+        </p:nvCxnSpPr>
+        <p:spPr>
+          <a:xfrm>
+            <a:off x="3992335" y="2504016"/>
+            <a:ext cx="1159330" cy="0"/>
+          </a:xfrm>
+          <a:prstGeom prst="straightConnector1">
+            <a:avLst/>
+          </a:prstGeom>
+          <a:ln>
+            <a:tailEnd type="triangle"/>
+          </a:ln>
+        </p:spPr>
+        <p:style>
+          <a:lnRef idx="1">
+            <a:schemeClr val="accent2"/>
+          </a:lnRef>
+          <a:fillRef idx="0">
+            <a:schemeClr val="accent2"/>
+          </a:fillRef>
+          <a:effectRef idx="0">
+            <a:schemeClr val="accent2"/>
+          </a:effectRef>
+          <a:fontRef idx="minor">
+            <a:schemeClr val="tx1"/>
+          </a:fontRef>
+        </p:style>
+      </p:cxnSp>
+      <p:graphicFrame>
+        <p:nvGraphicFramePr>
+          <p:cNvPr id="8" name="Table 2">
+            <a:extLst>
+              <a:ext uri="{FF2B5EF4-FFF2-40B4-BE49-F238E27FC236}">
+                <a16:creationId xmlns:a16="http://schemas.microsoft.com/office/drawing/2014/main" id="{068B5AB4-97A4-43BD-993F-DAE339542A02}"/>
+              </a:ext>
+            </a:extLst>
+          </p:cNvPr>
+          <p:cNvGraphicFramePr>
+            <a:graphicFrameLocks noGrp="1"/>
+          </p:cNvGraphicFramePr>
+          <p:nvPr>
+            <p:extLst>
+              <p:ext uri="{D42A27DB-BD31-4B8C-83A1-F6EECF244321}">
+                <p14:modId xmlns:p14="http://schemas.microsoft.com/office/powerpoint/2010/main" val="3116755393"/>
+              </p:ext>
+            </p:extLst>
+          </p:nvPr>
+        </p:nvGraphicFramePr>
+        <p:xfrm>
+          <a:off x="5246914" y="1755322"/>
+          <a:ext cx="6052457" cy="1871735"/>
+        </p:xfrm>
+        <a:graphic>
+          <a:graphicData uri="http://schemas.openxmlformats.org/drawingml/2006/table">
+            <a:tbl>
+              <a:tblPr firstRow="1" bandRow="1">
+                <a:tableStyleId>{5C22544A-7EE6-4342-B048-85BDC9FD1C3A}</a:tableStyleId>
+              </a:tblPr>
+              <a:tblGrid>
+                <a:gridCol w="761756">
+                  <a:extLst>
+                    <a:ext uri="{9D8B030D-6E8A-4147-A177-3AD203B41FA5}">
+                      <a16:colId xmlns:a16="http://schemas.microsoft.com/office/drawing/2014/main" val="1771908781"/>
+                    </a:ext>
+                  </a:extLst>
+                </a:gridCol>
+                <a:gridCol w="2585668">
+                  <a:extLst>
+                    <a:ext uri="{9D8B030D-6E8A-4147-A177-3AD203B41FA5}">
+                      <a16:colId xmlns:a16="http://schemas.microsoft.com/office/drawing/2014/main" val="349610141"/>
+                    </a:ext>
+                  </a:extLst>
+                </a:gridCol>
+                <a:gridCol w="821905">
+                  <a:extLst>
+                    <a:ext uri="{9D8B030D-6E8A-4147-A177-3AD203B41FA5}">
+                      <a16:colId xmlns:a16="http://schemas.microsoft.com/office/drawing/2014/main" val="3964149770"/>
+                    </a:ext>
+                  </a:extLst>
+                </a:gridCol>
+                <a:gridCol w="1883128">
+                  <a:extLst>
+                    <a:ext uri="{9D8B030D-6E8A-4147-A177-3AD203B41FA5}">
+                      <a16:colId xmlns:a16="http://schemas.microsoft.com/office/drawing/2014/main" val="2824488513"/>
+                    </a:ext>
+                  </a:extLst>
+                </a:gridCol>
+              </a:tblGrid>
+              <a:tr h="374347">
+                <a:tc>
+                  <a:txBody>
+                    <a:bodyPr/>
+                    <a:lstStyle/>
+                    <a:p>
+                      <a:r>
+                        <a:rPr lang="en-US" dirty="0"/>
+                        <a:t>id</a:t>
+                      </a:r>
+                    </a:p>
+                  </a:txBody>
+                  <a:tcPr/>
+                </a:tc>
+                <a:tc>
+                  <a:txBody>
+                    <a:bodyPr/>
+                    <a:lstStyle/>
+                    <a:p>
+                      <a:r>
+                        <a:rPr lang="en-US" dirty="0" err="1"/>
+                        <a:t>Jan_Revenue</a:t>
+                      </a:r>
+                      <a:endParaRPr lang="en-US" dirty="0"/>
+                    </a:p>
+                  </a:txBody>
+                  <a:tcPr/>
+                </a:tc>
+                <a:tc>
+                  <a:txBody>
+                    <a:bodyPr/>
+                    <a:lstStyle/>
+                    <a:p>
+                      <a:r>
+                        <a:rPr lang="en-US" dirty="0"/>
+                        <a:t>…</a:t>
+                      </a:r>
+                    </a:p>
+                  </a:txBody>
+                  <a:tcPr/>
+                </a:tc>
+                <a:tc>
+                  <a:txBody>
+                    <a:bodyPr/>
+                    <a:lstStyle/>
+                    <a:p>
+                      <a:r>
+                        <a:rPr lang="en-US" dirty="0" err="1"/>
+                        <a:t>Dec_Revenue</a:t>
+                      </a:r>
+                      <a:endParaRPr lang="en-US" dirty="0"/>
+                    </a:p>
+                  </a:txBody>
+                  <a:tcPr/>
+                </a:tc>
+                <a:extLst>
+                  <a:ext uri="{0D108BD9-81ED-4DB2-BD59-A6C34878D82A}">
+                    <a16:rowId xmlns:a16="http://schemas.microsoft.com/office/drawing/2014/main" val="2646099301"/>
+                  </a:ext>
+                </a:extLst>
+              </a:tr>
+              <a:tr h="374347">
+                <a:tc>
+                  <a:txBody>
+                    <a:bodyPr/>
+                    <a:lstStyle/>
+                    <a:p>
+                      <a:r>
+                        <a:rPr lang="en-US" dirty="0"/>
+                        <a:t>1</a:t>
+                      </a:r>
+                    </a:p>
+                  </a:txBody>
+                  <a:tcPr/>
+                </a:tc>
+                <a:tc>
+                  <a:txBody>
+                    <a:bodyPr/>
+                    <a:lstStyle/>
+                    <a:p>
+                      <a:r>
+                        <a:rPr lang="en-US" dirty="0"/>
+                        <a:t>1000</a:t>
+                      </a:r>
+                    </a:p>
+                  </a:txBody>
+                  <a:tcPr/>
+                </a:tc>
+                <a:tc>
+                  <a:txBody>
+                    <a:bodyPr/>
+                    <a:lstStyle/>
+                    <a:p>
+                      <a:r>
+                        <a:rPr lang="en-US" dirty="0"/>
+                        <a:t>…</a:t>
+                      </a:r>
+                    </a:p>
+                  </a:txBody>
+                  <a:tcPr/>
+                </a:tc>
+                <a:tc>
+                  <a:txBody>
+                    <a:bodyPr/>
+                    <a:lstStyle/>
+                    <a:p>
+                      <a:r>
+                        <a:rPr lang="en-US" dirty="0"/>
+                        <a:t>Null</a:t>
+                      </a:r>
+                    </a:p>
+                  </a:txBody>
+                  <a:tcPr/>
+                </a:tc>
+                <a:extLst>
+                  <a:ext uri="{0D108BD9-81ED-4DB2-BD59-A6C34878D82A}">
+                    <a16:rowId xmlns:a16="http://schemas.microsoft.com/office/drawing/2014/main" val="839337687"/>
+                  </a:ext>
+                </a:extLst>
+              </a:tr>
+              <a:tr h="374347">
+                <a:tc>
+                  <a:txBody>
+                    <a:bodyPr/>
+                    <a:lstStyle/>
+                    <a:p>
+                      <a:r>
+                        <a:rPr lang="en-US" dirty="0"/>
+                        <a:t>2</a:t>
+                      </a:r>
+                    </a:p>
+                  </a:txBody>
+                  <a:tcPr/>
+                </a:tc>
+                <a:tc>
+                  <a:txBody>
+                    <a:bodyPr/>
+                    <a:lstStyle/>
+                    <a:p>
+                      <a:r>
+                        <a:rPr lang="en-US" dirty="0"/>
+                        <a:t>8000</a:t>
+                      </a:r>
+                    </a:p>
+                  </a:txBody>
+                  <a:tcPr/>
+                </a:tc>
+                <a:tc>
+                  <a:txBody>
+                    <a:bodyPr/>
+                    <a:lstStyle/>
+                    <a:p>
+                      <a:r>
+                        <a:rPr lang="en-US" dirty="0"/>
+                        <a:t>…</a:t>
+                      </a:r>
+                    </a:p>
+                  </a:txBody>
+                  <a:tcPr/>
+                </a:tc>
+                <a:tc>
+                  <a:txBody>
+                    <a:bodyPr/>
+                    <a:lstStyle/>
+                    <a:p>
+                      <a:r>
+                        <a:rPr lang="en-US" dirty="0"/>
+                        <a:t>10000</a:t>
+                      </a:r>
+                    </a:p>
+                  </a:txBody>
+                  <a:tcPr/>
+                </a:tc>
+                <a:extLst>
+                  <a:ext uri="{0D108BD9-81ED-4DB2-BD59-A6C34878D82A}">
+                    <a16:rowId xmlns:a16="http://schemas.microsoft.com/office/drawing/2014/main" val="3086867387"/>
+                  </a:ext>
+                </a:extLst>
+              </a:tr>
+              <a:tr h="374347">
+                <a:tc>
+                  <a:txBody>
+                    <a:bodyPr/>
+                    <a:lstStyle/>
+                    <a:p>
+                      <a:r>
+                        <a:rPr lang="en-US" dirty="0"/>
+                        <a:t>3</a:t>
+                      </a:r>
+                    </a:p>
+                  </a:txBody>
+                  <a:tcPr/>
+                </a:tc>
+                <a:tc>
+                  <a:txBody>
+                    <a:bodyPr/>
+                    <a:lstStyle/>
+                    <a:p>
+                      <a:r>
+                        <a:rPr lang="en-US" dirty="0"/>
+                        <a:t>Null</a:t>
+                      </a:r>
+                    </a:p>
+                  </a:txBody>
+                  <a:tcPr/>
+                </a:tc>
+                <a:tc>
+                  <a:txBody>
+                    <a:bodyPr/>
+                    <a:lstStyle/>
+                    <a:p>
+                      <a:r>
+                        <a:rPr lang="en-US" dirty="0"/>
+                        <a:t>…</a:t>
+                      </a:r>
+                    </a:p>
+                  </a:txBody>
+                  <a:tcPr/>
+                </a:tc>
+                <a:tc>
+                  <a:txBody>
+                    <a:bodyPr/>
+                    <a:lstStyle/>
+                    <a:p>
+                      <a:r>
+                        <a:rPr lang="en-US" dirty="0"/>
+                        <a:t>Null</a:t>
+                      </a:r>
+                    </a:p>
+                  </a:txBody>
+                  <a:tcPr/>
+                </a:tc>
+                <a:extLst>
+                  <a:ext uri="{0D108BD9-81ED-4DB2-BD59-A6C34878D82A}">
+                    <a16:rowId xmlns:a16="http://schemas.microsoft.com/office/drawing/2014/main" val="1719829227"/>
+                  </a:ext>
+                </a:extLst>
+              </a:tr>
+              <a:tr h="374347">
+                <a:tc>
+                  <a:txBody>
+                    <a:bodyPr/>
+                    <a:lstStyle/>
+                    <a:p>
+                      <a:r>
+                        <a:rPr lang="en-US" dirty="0"/>
+                        <a:t>…</a:t>
+                      </a:r>
+                    </a:p>
+                  </a:txBody>
+                  <a:tcPr/>
+                </a:tc>
+                <a:tc>
+                  <a:txBody>
+                    <a:bodyPr/>
+                    <a:lstStyle/>
+                    <a:p>
+                      <a:r>
+                        <a:rPr lang="en-US" dirty="0"/>
+                        <a:t>…</a:t>
+                      </a:r>
+                    </a:p>
+                  </a:txBody>
+                  <a:tcPr/>
+                </a:tc>
+                <a:tc>
+                  <a:txBody>
+                    <a:bodyPr/>
+                    <a:lstStyle/>
+                    <a:p>
+                      <a:r>
+                        <a:rPr lang="en-US" dirty="0"/>
+                        <a:t>…</a:t>
+                      </a:r>
+                    </a:p>
+                  </a:txBody>
+                  <a:tcPr/>
+                </a:tc>
+                <a:tc>
+                  <a:txBody>
+                    <a:bodyPr/>
+                    <a:lstStyle/>
+                    <a:p>
+                      <a:r>
+                        <a:rPr lang="en-US" dirty="0"/>
+                        <a:t>…</a:t>
+                      </a:r>
+                    </a:p>
+                  </a:txBody>
+                  <a:tcPr/>
+                </a:tc>
+                <a:extLst>
+                  <a:ext uri="{0D108BD9-81ED-4DB2-BD59-A6C34878D82A}">
+                    <a16:rowId xmlns:a16="http://schemas.microsoft.com/office/drawing/2014/main" val="3187292799"/>
+                  </a:ext>
+                </a:extLst>
+              </a:tr>
+            </a:tbl>
+          </a:graphicData>
+        </a:graphic>
+      </p:graphicFrame>
+    </p:spTree>
+    <p:extLst>
+      <p:ext uri="{BB962C8B-B14F-4D97-AF65-F5344CB8AC3E}">
+        <p14:creationId xmlns:p14="http://schemas.microsoft.com/office/powerpoint/2010/main" val="3647196948"/>
+      </p:ext>
+    </p:extLst>
+  </p:cSld>
+  <p:clrMapOvr>
+    <a:masterClrMapping/>
+  </p:clrMapOvr>
+</p:sld>
+</file>
+
+<file path=ppt/slides/slide6.xml><?xml version="1.0" encoding="utf-8"?>
+<p:sld xmlns:a="http://schemas.openxmlformats.org/drawingml/2006/main" xmlns:r="http://schemas.openxmlformats.org/officeDocument/2006/relationships" xmlns:p="http://schemas.openxmlformats.org/presentationml/2006/main">
+  <p:cSld>
+    <p:spTree>
+      <p:nvGrpSpPr>
+        <p:cNvPr id="1" name=""/>
+        <p:cNvGrpSpPr/>
+        <p:nvPr/>
+      </p:nvGrpSpPr>
+      <p:grpSpPr>
+        <a:xfrm>
+          <a:off x="0" y="0"/>
+          <a:ext cx="0" cy="0"/>
+          <a:chOff x="0" y="0"/>
+          <a:chExt cx="0" cy="0"/>
+        </a:xfrm>
+      </p:grpSpPr>
       <p:sp>
         <p:nvSpPr>
           <p:cNvPr id="2" name="Rectangle 1">
